--- a/MicrosoftElevate/MS Elevate Internship- Project template.pptx
+++ b/MicrosoftElevate/MS Elevate Internship- Project template.pptx
@@ -3741,18 +3741,62 @@
                   <a:srgbClr val="0070C0"/>
                 </a:solidFill>
                 <a:latin typeface="Franklin Gothic Book"/>
+                <a:hlinkClick r:id="rId2"/>
               </a:rPr>
               <a:t>Link</a:t>
             </a:r>
-          </a:p>
-          <a:p>
-            <a:pPr marL="0" indent="0">
-              <a:buNone/>
-            </a:pPr>
             <a:endParaRPr lang="en-IN" sz="2200" u="sng" dirty="0">
               <a:solidFill>
                 <a:srgbClr val="0070C0"/>
               </a:solidFill>
+              <a:latin typeface="Franklin Gothic Book"/>
+            </a:endParaRPr>
+          </a:p>
+          <a:p>
+            <a:pPr marL="0" indent="0">
+              <a:buNone/>
+            </a:pPr>
+            <a:r>
+              <a:rPr lang="en-IN" sz="2200" dirty="0" err="1">
+                <a:latin typeface="Franklin Gothic Book"/>
+              </a:rPr>
+              <a:t>Youtube</a:t>
+            </a:r>
+            <a:r>
+              <a:rPr lang="en-IN" sz="2200" dirty="0">
+                <a:latin typeface="Franklin Gothic Book"/>
+              </a:rPr>
+              <a:t> Link: </a:t>
+            </a:r>
+            <a:r>
+              <a:rPr lang="en-IN" sz="2200" dirty="0">
+                <a:latin typeface="Franklin Gothic Book"/>
+                <a:hlinkClick r:id="rId3"/>
+              </a:rPr>
+              <a:t>Link</a:t>
+            </a:r>
+            <a:endParaRPr lang="en-IN" sz="2200" dirty="0">
+              <a:latin typeface="Franklin Gothic Book"/>
+            </a:endParaRPr>
+          </a:p>
+          <a:p>
+            <a:pPr marL="0" indent="0">
+              <a:buNone/>
+            </a:pPr>
+            <a:r>
+              <a:rPr lang="en-IN" sz="2200" dirty="0">
+                <a:latin typeface="Franklin Gothic Book"/>
+              </a:rPr>
+              <a:t>LinkedIn Link: </a:t>
+            </a:r>
+            <a:r>
+              <a:rPr lang="en-IN" sz="2200" dirty="0">
+                <a:latin typeface="Franklin Gothic Book"/>
+                <a:hlinkClick r:id="rId4"/>
+              </a:rPr>
+              <a:t>Link</a:t>
+            </a:r>
+            <a:endParaRPr lang="en-IN" sz="2200" dirty="0">
               <a:latin typeface="Franklin Gothic Book"/>
             </a:endParaRPr>
           </a:p>
@@ -4424,7 +4468,7 @@
             </a:pPr>
             <a:r>
               <a:rPr lang="en-US" sz="1800" dirty="0">
-                <a:latin typeface="Franklin Gothic Book" panose="020B0503020102020204" pitchFamily="34" charset="0"/>
+                <a:latin typeface="+mj-lt"/>
               </a:rPr>
               <a:t>In today’s competitive market, businesses face the challenge of ensuring that products are available to customers at the right time and in the right quantity. Just as urban cities require a stable supply of rental bikes to meet hourly demand, sales teams must anticipate customer needs to minimize waiting time and avoid missed opportunities. The critical issue lies in predicting the required sales volume and inventory at each period to maintain a consistent supply. Without accurate forecasting, companies risk stockouts, overstocking, and dissatisfied customers, ultimately impacting revenue and brand trust. Therefore, developing a reliable system to predict sales demand and align it with inventory and distribution is essential for achieving stable and sustainable sales growth.</a:t>
             </a:r>
@@ -5043,7 +5087,7 @@
           <a:p>
             <a:r>
               <a:rPr lang="en-US" sz="1600" dirty="0"/>
-              <a:t>A time-series forecasting model (e.g., ARIMA or Prophet) is chosen to predict future sales trends. This is suitable because sales data often shows seasonality, promotions, and regional variations.</a:t>
+              <a:t>A time-series forecasting model is chosen to predict future sales trends. This is suitable because sales data often shows seasonality, promotions, and regional variations.</a:t>
             </a:r>
           </a:p>
           <a:p>
@@ -5058,7 +5102,7 @@
           <a:p>
             <a:r>
               <a:rPr lang="en-US" sz="1600" dirty="0"/>
-              <a:t>Historical sales records, product categories, regions, seasonal factors (holidays, promotions), and external indicators like competitor activity or economic trends.</a:t>
+              <a:t>Historical sales records, product categories, regions, seasonal factors and external indicators like competitor activity or economic trends.</a:t>
             </a:r>
           </a:p>
           <a:p>
